--- a/03_Install.pptx
+++ b/03_Install.pptx
@@ -225,7 +225,7 @@
             <a:fld id="{6837EDA8-41C8-4B24-A206-13C08A65A6D7}" type="datetimeFigureOut">
               <a:rPr lang="zh-TW" altLang="en-US" smtClean="0"/>
               <a:pPr/>
-              <a:t>2022/9/6</a:t>
+              <a:t>2022/9/7</a:t>
             </a:fld>
             <a:endParaRPr lang="zh-TW" altLang="en-US"/>
           </a:p>
@@ -678,7 +678,7 @@
             <a:fld id="{8B85509C-BD4F-47BF-9B1E-FC2E949B3621}" type="datetime1">
               <a:rPr lang="zh-TW" altLang="en-US" smtClean="0"/>
               <a:pPr/>
-              <a:t>2022/9/6</a:t>
+              <a:t>2022/9/7</a:t>
             </a:fld>
             <a:endParaRPr lang="zh-TW" altLang="en-US"/>
           </a:p>
@@ -851,7 +851,7 @@
             <a:fld id="{42251B24-F787-4C15-8A0F-7AEC20C70069}" type="datetime1">
               <a:rPr lang="zh-TW" altLang="en-US" smtClean="0"/>
               <a:pPr/>
-              <a:t>2022/9/6</a:t>
+              <a:t>2022/9/7</a:t>
             </a:fld>
             <a:endParaRPr lang="zh-TW" altLang="en-US"/>
           </a:p>
@@ -1026,7 +1026,7 @@
             <a:fld id="{9CA0D33C-CE2B-45F1-B8D4-FFD1F131F331}" type="datetime1">
               <a:rPr lang="zh-TW" altLang="en-US" smtClean="0"/>
               <a:pPr/>
-              <a:t>2022/9/6</a:t>
+              <a:t>2022/9/7</a:t>
             </a:fld>
             <a:endParaRPr lang="zh-TW" altLang="en-US"/>
           </a:p>
@@ -1191,7 +1191,7 @@
             <a:fld id="{50B99440-D9EF-40CC-9B52-F6428D9B2C76}" type="datetime1">
               <a:rPr lang="zh-TW" altLang="en-US" smtClean="0"/>
               <a:pPr/>
-              <a:t>2022/9/6</a:t>
+              <a:t>2022/9/7</a:t>
             </a:fld>
             <a:endParaRPr lang="zh-TW" altLang="en-US"/>
           </a:p>
@@ -1433,7 +1433,7 @@
             <a:fld id="{0871BF52-5C6C-4959-8E27-CECB68D39FE4}" type="datetime1">
               <a:rPr lang="zh-TW" altLang="en-US" smtClean="0"/>
               <a:pPr/>
-              <a:t>2022/9/6</a:t>
+              <a:t>2022/9/7</a:t>
             </a:fld>
             <a:endParaRPr lang="zh-TW" altLang="en-US"/>
           </a:p>
@@ -1715,7 +1715,7 @@
             <a:fld id="{DF863F05-2DD9-4EB1-A827-12FD992DE9DC}" type="datetime1">
               <a:rPr lang="zh-TW" altLang="en-US" smtClean="0"/>
               <a:pPr/>
-              <a:t>2022/9/6</a:t>
+              <a:t>2022/9/7</a:t>
             </a:fld>
             <a:endParaRPr lang="zh-TW" altLang="en-US"/>
           </a:p>
@@ -2131,7 +2131,7 @@
             <a:fld id="{6339AF51-4491-4873-A096-75DB6CE47516}" type="datetime1">
               <a:rPr lang="zh-TW" altLang="en-US" smtClean="0"/>
               <a:pPr/>
-              <a:t>2022/9/6</a:t>
+              <a:t>2022/9/7</a:t>
             </a:fld>
             <a:endParaRPr lang="zh-TW" altLang="en-US"/>
           </a:p>
@@ -2245,7 +2245,7 @@
             <a:fld id="{EE4AD9C8-8B9E-40FF-ABE2-858AC2057BBB}" type="datetime1">
               <a:rPr lang="zh-TW" altLang="en-US" smtClean="0"/>
               <a:pPr/>
-              <a:t>2022/9/6</a:t>
+              <a:t>2022/9/7</a:t>
             </a:fld>
             <a:endParaRPr lang="zh-TW" altLang="en-US"/>
           </a:p>
@@ -2337,7 +2337,7 @@
             <a:fld id="{B4784999-BBBE-4BE4-A8D0-877E7D1D66CC}" type="datetime1">
               <a:rPr lang="zh-TW" altLang="en-US" smtClean="0"/>
               <a:pPr/>
-              <a:t>2022/9/6</a:t>
+              <a:t>2022/9/7</a:t>
             </a:fld>
             <a:endParaRPr lang="zh-TW" altLang="en-US"/>
           </a:p>
@@ -2609,7 +2609,7 @@
             <a:fld id="{E88D17E6-02BD-4944-B9FE-7BFCCBF83D48}" type="datetime1">
               <a:rPr lang="zh-TW" altLang="en-US" smtClean="0"/>
               <a:pPr/>
-              <a:t>2022/9/6</a:t>
+              <a:t>2022/9/7</a:t>
             </a:fld>
             <a:endParaRPr lang="zh-TW" altLang="en-US"/>
           </a:p>
@@ -2858,7 +2858,7 @@
             <a:fld id="{3C13E23D-1FEF-4D78-A3A3-3D6F2BB31954}" type="datetime1">
               <a:rPr lang="zh-TW" altLang="en-US" smtClean="0"/>
               <a:pPr/>
-              <a:t>2022/9/6</a:t>
+              <a:t>2022/9/7</a:t>
             </a:fld>
             <a:endParaRPr lang="zh-TW" altLang="en-US"/>
           </a:p>
@@ -3066,7 +3066,7 @@
             <a:fld id="{06197F35-AD6F-4594-8B50-334492D2E7E8}" type="datetime1">
               <a:rPr lang="zh-TW" altLang="en-US" smtClean="0"/>
               <a:pPr/>
-              <a:t>2022/9/6</a:t>
+              <a:t>2022/9/7</a:t>
             </a:fld>
             <a:endParaRPr lang="zh-TW" altLang="en-US"/>
           </a:p>
@@ -3527,7 +3527,7 @@
             <a:fld id="{C389EDC9-19E3-47AC-9C57-C6A24DEA81AD}" type="datetime1">
               <a:rPr lang="zh-TW" altLang="en-US" smtClean="0"/>
               <a:pPr/>
-              <a:t>2022/9/6</a:t>
+              <a:t>2022/9/7</a:t>
             </a:fld>
             <a:endParaRPr lang="zh-TW" altLang="en-US"/>
           </a:p>
@@ -3882,7 +3882,7 @@
             <a:fld id="{A4F910E6-8D00-4BAF-8C48-9688E0B449D3}" type="datetime1">
               <a:rPr lang="zh-TW" altLang="en-US" smtClean="0"/>
               <a:pPr/>
-              <a:t>2022/9/6</a:t>
+              <a:t>2022/9/7</a:t>
             </a:fld>
             <a:endParaRPr lang="zh-TW" altLang="en-US"/>
           </a:p>
@@ -4069,7 +4069,7 @@
             <a:fld id="{C389EDC9-19E3-47AC-9C57-C6A24DEA81AD}" type="datetime1">
               <a:rPr lang="zh-TW" altLang="en-US" smtClean="0"/>
               <a:pPr/>
-              <a:t>2022/9/6</a:t>
+              <a:t>2022/9/7</a:t>
             </a:fld>
             <a:endParaRPr lang="zh-TW" altLang="en-US"/>
           </a:p>
@@ -4469,7 +4469,7 @@
             <a:fld id="{A4F910E6-8D00-4BAF-8C48-9688E0B449D3}" type="datetime1">
               <a:rPr lang="zh-TW" altLang="en-US" smtClean="0"/>
               <a:pPr/>
-              <a:t>2022/9/6</a:t>
+              <a:t>2022/9/7</a:t>
             </a:fld>
             <a:endParaRPr lang="zh-TW" altLang="en-US"/>
           </a:p>
@@ -4623,12 +4623,20 @@
           <a:lstStyle/>
           <a:p>
             <a:r>
+              <a:rPr lang="en-US" altLang="zh-TW" sz="4000" b="1">
+                <a:solidFill>
+                  <a:srgbClr val="FFFF00"/>
+                </a:solidFill>
+              </a:rPr>
+              <a:t>3.5 Producer </a:t>
+            </a:r>
+            <a:r>
               <a:rPr lang="en-US" altLang="zh-TW" sz="4000" b="1" dirty="0">
                 <a:solidFill>
                   <a:srgbClr val="FFFF00"/>
                 </a:solidFill>
               </a:rPr>
-              <a:t>3.5 Produce Events</a:t>
+              <a:t>Events</a:t>
             </a:r>
             <a:endParaRPr lang="zh-TW" altLang="en-US" sz="4000" b="1" dirty="0">
               <a:solidFill>
@@ -4656,7 +4664,7 @@
             <a:fld id="{C389EDC9-19E3-47AC-9C57-C6A24DEA81AD}" type="datetime1">
               <a:rPr lang="zh-TW" altLang="en-US" smtClean="0"/>
               <a:pPr/>
-              <a:t>2022/9/6</a:t>
+              <a:t>2022/9/7</a:t>
             </a:fld>
             <a:endParaRPr lang="zh-TW" altLang="en-US"/>
           </a:p>
@@ -4818,7 +4826,7 @@
                   <a:srgbClr val="FFFF00"/>
                 </a:solidFill>
               </a:rPr>
-              <a:t>3.4 Produce Events</a:t>
+              <a:t>3.4 Producer Events</a:t>
             </a:r>
             <a:endParaRPr lang="zh-TW" altLang="en-US" sz="4000" b="1" dirty="0">
               <a:solidFill>
@@ -4869,7 +4877,7 @@
                   <a:schemeClr val="tx1"/>
                 </a:solidFill>
               </a:rPr>
-              <a:t>Produce Events</a:t>
+              <a:t>Producer Events</a:t>
             </a:r>
           </a:p>
           <a:p>
@@ -5056,7 +5064,7 @@
             <a:fld id="{A4F910E6-8D00-4BAF-8C48-9688E0B449D3}" type="datetime1">
               <a:rPr lang="zh-TW" altLang="en-US" smtClean="0"/>
               <a:pPr/>
-              <a:t>2022/9/6</a:t>
+              <a:t>2022/9/7</a:t>
             </a:fld>
             <a:endParaRPr lang="zh-TW" altLang="en-US"/>
           </a:p>
@@ -5243,7 +5251,7 @@
             <a:fld id="{C389EDC9-19E3-47AC-9C57-C6A24DEA81AD}" type="datetime1">
               <a:rPr lang="zh-TW" altLang="en-US" smtClean="0"/>
               <a:pPr/>
-              <a:t>2022/9/6</a:t>
+              <a:t>2022/9/7</a:t>
             </a:fld>
             <a:endParaRPr lang="zh-TW" altLang="en-US"/>
           </a:p>
@@ -5451,20 +5459,12 @@
               <a:buChar char="u"/>
             </a:pPr>
             <a:r>
-              <a:rPr lang="en-US" sz="1800" b="1" dirty="0" err="1">
-                <a:solidFill>
-                  <a:schemeClr val="tx1"/>
-                </a:solidFill>
-              </a:rPr>
-              <a:t>Consermuer</a:t>
-            </a:r>
-            <a:r>
               <a:rPr lang="en-US" sz="1800" b="1" dirty="0">
                 <a:solidFill>
                   <a:schemeClr val="tx1"/>
                 </a:solidFill>
               </a:rPr>
-              <a:t> Events</a:t>
+              <a:t>Consumer Events</a:t>
             </a:r>
           </a:p>
           <a:p>
@@ -5651,7 +5651,7 @@
             <a:fld id="{A4F910E6-8D00-4BAF-8C48-9688E0B449D3}" type="datetime1">
               <a:rPr lang="zh-TW" altLang="en-US" smtClean="0"/>
               <a:pPr/>
-              <a:t>2022/9/6</a:t>
+              <a:t>2022/9/7</a:t>
             </a:fld>
             <a:endParaRPr lang="zh-TW" altLang="en-US"/>
           </a:p>
@@ -5861,7 +5861,7 @@
             <a:fld id="{4E46BE27-E923-4EC2-B046-3272AE2A3E5C}" type="datetime1">
               <a:rPr lang="zh-TW" altLang="en-US" smtClean="0"/>
               <a:pPr/>
-              <a:t>2022/9/6</a:t>
+              <a:t>2022/9/7</a:t>
             </a:fld>
             <a:endParaRPr lang="zh-TW" altLang="en-US"/>
           </a:p>
@@ -6282,7 +6282,7 @@
             <a:fld id="{A4F910E6-8D00-4BAF-8C48-9688E0B449D3}" type="datetime1">
               <a:rPr lang="zh-TW" altLang="en-US" smtClean="0"/>
               <a:pPr/>
-              <a:t>2022/9/6</a:t>
+              <a:t>2022/9/7</a:t>
             </a:fld>
             <a:endParaRPr lang="zh-TW" altLang="en-US"/>
           </a:p>
@@ -6364,6 +6364,69 @@
           </a:p>
         </p:txBody>
       </p:sp>
+      <p:graphicFrame>
+        <p:nvGraphicFramePr>
+          <p:cNvPr id="7" name="Object 6">
+            <a:extLst>
+              <a:ext uri="{FF2B5EF4-FFF2-40B4-BE49-F238E27FC236}">
+                <a16:creationId xmlns:a16="http://schemas.microsoft.com/office/drawing/2014/main" id="{1A66C54E-4D0C-3906-FECD-68818B12B66E}"/>
+              </a:ext>
+            </a:extLst>
+          </p:cNvPr>
+          <p:cNvGraphicFramePr>
+            <a:graphicFrameLocks noChangeAspect="1"/>
+          </p:cNvGraphicFramePr>
+          <p:nvPr>
+            <p:extLst>
+              <p:ext uri="{D42A27DB-BD31-4B8C-83A1-F6EECF244321}">
+                <p14:modId xmlns:p14="http://schemas.microsoft.com/office/powerpoint/2010/main" val="1088508609"/>
+              </p:ext>
+            </p:extLst>
+          </p:nvPr>
+        </p:nvGraphicFramePr>
+        <p:xfrm>
+          <a:off x="1704975" y="1695450"/>
+          <a:ext cx="5734050" cy="3467100"/>
+        </p:xfrm>
+        <a:graphic>
+          <a:graphicData uri="http://schemas.openxmlformats.org/presentationml/2006/ole">
+            <mc:AlternateContent xmlns:mc="http://schemas.openxmlformats.org/markup-compatibility/2006">
+              <mc:Choice xmlns:v="urn:schemas-microsoft-com:vml" Requires="v">
+                <p:oleObj name="Bitmap Image" r:id="rId5" imgW="5734080" imgH="3467160" progId="PBrush">
+                  <p:embed/>
+                </p:oleObj>
+              </mc:Choice>
+              <mc:Fallback>
+                <p:oleObj name="Bitmap Image" r:id="rId5" imgW="5734080" imgH="3467160" progId="PBrush">
+                  <p:embed/>
+                  <p:pic>
+                    <p:nvPicPr>
+                      <p:cNvPr id="0" name=""/>
+                      <p:cNvPicPr/>
+                      <p:nvPr/>
+                    </p:nvPicPr>
+                    <p:blipFill>
+                      <a:blip r:embed="rId6"/>
+                      <a:stretch>
+                        <a:fillRect/>
+                      </a:stretch>
+                    </p:blipFill>
+                    <p:spPr>
+                      <a:xfrm>
+                        <a:off x="1704975" y="1695450"/>
+                        <a:ext cx="5734050" cy="3467100"/>
+                      </a:xfrm>
+                      <a:prstGeom prst="rect">
+                        <a:avLst/>
+                      </a:prstGeom>
+                    </p:spPr>
+                  </p:pic>
+                </p:oleObj>
+              </mc:Fallback>
+            </mc:AlternateContent>
+          </a:graphicData>
+        </a:graphic>
+      </p:graphicFrame>
     </p:spTree>
     <p:extLst>
       <p:ext uri="{BB962C8B-B14F-4D97-AF65-F5344CB8AC3E}">
@@ -6453,7 +6516,7 @@
             <a:fld id="{C389EDC9-19E3-47AC-9C57-C6A24DEA81AD}" type="datetime1">
               <a:rPr lang="zh-TW" altLang="en-US" smtClean="0"/>
               <a:pPr/>
-              <a:t>2022/9/6</a:t>
+              <a:t>2022/9/7</a:t>
             </a:fld>
             <a:endParaRPr lang="zh-TW" altLang="en-US"/>
           </a:p>
@@ -6638,7 +6701,7 @@
         <p:spPr>
           <a:xfrm>
             <a:off x="467543" y="1268758"/>
-            <a:ext cx="7344817" cy="1728194"/>
+            <a:ext cx="7344817" cy="2016226"/>
           </a:xfrm>
           <a:ln>
             <a:solidFill>
@@ -6770,6 +6833,33 @@
               </a:rPr>
               <a:t> </a:t>
             </a:r>
+          </a:p>
+          <a:p>
+            <a:pPr marL="342900" indent="-342900" algn="l">
+              <a:buClr>
+                <a:srgbClr val="0070C0"/>
+              </a:buClr>
+              <a:buSzPct val="80000"/>
+              <a:buFont typeface="Wingdings" pitchFamily="2" charset="2"/>
+              <a:buChar char="u"/>
+            </a:pPr>
+            <a:r>
+              <a:rPr lang="en-US" altLang="en-US" sz="1800" dirty="0">
+                <a:solidFill>
+                  <a:schemeClr val="tx1"/>
+                </a:solidFill>
+              </a:rPr>
+              <a:t>Zookeeper port: 2181</a:t>
+            </a:r>
+            <a:endParaRPr kumimoji="0" lang="en-US" altLang="en-US" sz="1800" b="0" i="0" u="none" strike="noStrike" cap="none" normalizeH="0" baseline="0" dirty="0">
+              <a:ln>
+                <a:noFill/>
+              </a:ln>
+              <a:solidFill>
+                <a:schemeClr val="tx1"/>
+              </a:solidFill>
+              <a:effectLst/>
+            </a:endParaRPr>
           </a:p>
         </p:txBody>
       </p:sp>
@@ -6866,7 +6956,7 @@
             <a:fld id="{A4F910E6-8D00-4BAF-8C48-9688E0B449D3}" type="datetime1">
               <a:rPr lang="zh-TW" altLang="en-US" smtClean="0"/>
               <a:pPr/>
-              <a:t>2022/9/6</a:t>
+              <a:t>2022/9/7</a:t>
             </a:fld>
             <a:endParaRPr lang="zh-TW" altLang="en-US"/>
           </a:p>
@@ -6911,13 +7001,13 @@
           <p:nvPr>
             <p:extLst>
               <p:ext uri="{D42A27DB-BD31-4B8C-83A1-F6EECF244321}">
-                <p14:modId xmlns:p14="http://schemas.microsoft.com/office/powerpoint/2010/main" val="3627513222"/>
+                <p14:modId xmlns:p14="http://schemas.microsoft.com/office/powerpoint/2010/main" val="3108043335"/>
               </p:ext>
             </p:extLst>
           </p:nvPr>
         </p:nvGraphicFramePr>
         <p:xfrm>
-          <a:off x="1403648" y="3140968"/>
+          <a:off x="395536" y="3356992"/>
           <a:ext cx="4752528" cy="900762"/>
         </p:xfrm>
         <a:graphic>
@@ -6945,7 +7035,7 @@
                     </p:blipFill>
                     <p:spPr>
                       <a:xfrm>
-                        <a:off x="1403648" y="3140968"/>
+                        <a:off x="395536" y="3356992"/>
                         <a:ext cx="4752528" cy="900762"/>
                       </a:xfrm>
                       <a:prstGeom prst="rect">
@@ -6964,6 +7054,132 @@
           </a:graphicData>
         </a:graphic>
       </p:graphicFrame>
+      <p:graphicFrame>
+        <p:nvGraphicFramePr>
+          <p:cNvPr id="8" name="Object 7">
+            <a:extLst>
+              <a:ext uri="{FF2B5EF4-FFF2-40B4-BE49-F238E27FC236}">
+                <a16:creationId xmlns:a16="http://schemas.microsoft.com/office/drawing/2014/main" id="{C6BE0C3F-BD8C-4A5C-756A-B5A509EF0D90}"/>
+              </a:ext>
+            </a:extLst>
+          </p:cNvPr>
+          <p:cNvGraphicFramePr>
+            <a:graphicFrameLocks noChangeAspect="1"/>
+          </p:cNvGraphicFramePr>
+          <p:nvPr>
+            <p:extLst>
+              <p:ext uri="{D42A27DB-BD31-4B8C-83A1-F6EECF244321}">
+                <p14:modId xmlns:p14="http://schemas.microsoft.com/office/powerpoint/2010/main" val="4021407593"/>
+              </p:ext>
+            </p:extLst>
+          </p:nvPr>
+        </p:nvGraphicFramePr>
+        <p:xfrm>
+          <a:off x="5004048" y="4077072"/>
+          <a:ext cx="4599227" cy="2780928"/>
+        </p:xfrm>
+        <a:graphic>
+          <a:graphicData uri="http://schemas.openxmlformats.org/presentationml/2006/ole">
+            <mc:AlternateContent xmlns:mc="http://schemas.openxmlformats.org/markup-compatibility/2006">
+              <mc:Choice xmlns:v="urn:schemas-microsoft-com:vml" Requires="v">
+                <p:oleObj name="Bitmap Image" r:id="rId5" imgW="5734080" imgH="3467160" progId="PBrush">
+                  <p:embed/>
+                </p:oleObj>
+              </mc:Choice>
+              <mc:Fallback>
+                <p:oleObj name="Bitmap Image" r:id="rId5" imgW="5734080" imgH="3467160" progId="PBrush">
+                  <p:embed/>
+                  <p:pic>
+                    <p:nvPicPr>
+                      <p:cNvPr id="8" name="Object 7">
+                        <a:extLst>
+                          <a:ext uri="{FF2B5EF4-FFF2-40B4-BE49-F238E27FC236}">
+                            <a16:creationId xmlns:a16="http://schemas.microsoft.com/office/drawing/2014/main" id="{7AB7206E-F67F-6B5E-8B2C-474D877C7743}"/>
+                          </a:ext>
+                        </a:extLst>
+                      </p:cNvPr>
+                      <p:cNvPicPr/>
+                      <p:nvPr/>
+                    </p:nvPicPr>
+                    <p:blipFill>
+                      <a:blip r:embed="rId6"/>
+                      <a:stretch>
+                        <a:fillRect/>
+                      </a:stretch>
+                    </p:blipFill>
+                    <p:spPr>
+                      <a:xfrm>
+                        <a:off x="5004048" y="4077072"/>
+                        <a:ext cx="4599227" cy="2780928"/>
+                      </a:xfrm>
+                      <a:prstGeom prst="rect">
+                        <a:avLst/>
+                      </a:prstGeom>
+                      <a:ln>
+                        <a:solidFill>
+                          <a:srgbClr val="C00000"/>
+                        </a:solidFill>
+                      </a:ln>
+                    </p:spPr>
+                  </p:pic>
+                </p:oleObj>
+              </mc:Fallback>
+            </mc:AlternateContent>
+          </a:graphicData>
+        </a:graphic>
+      </p:graphicFrame>
+      <p:sp>
+        <p:nvSpPr>
+          <p:cNvPr id="9" name="Rectangle 8">
+            <a:extLst>
+              <a:ext uri="{FF2B5EF4-FFF2-40B4-BE49-F238E27FC236}">
+                <a16:creationId xmlns:a16="http://schemas.microsoft.com/office/drawing/2014/main" id="{F326559D-81FA-B851-383B-F8C7CB89050B}"/>
+              </a:ext>
+            </a:extLst>
+          </p:cNvPr>
+          <p:cNvSpPr/>
+          <p:nvPr/>
+        </p:nvSpPr>
+        <p:spPr>
+          <a:xfrm>
+            <a:off x="5004048" y="6525344"/>
+            <a:ext cx="1296144" cy="332656"/>
+          </a:xfrm>
+          <a:prstGeom prst="rect">
+            <a:avLst/>
+          </a:prstGeom>
+          <a:noFill/>
+          <a:ln>
+            <a:solidFill>
+              <a:srgbClr val="C00000"/>
+            </a:solidFill>
+          </a:ln>
+        </p:spPr>
+        <p:style>
+          <a:lnRef idx="2">
+            <a:schemeClr val="accent1">
+              <a:shade val="50000"/>
+            </a:schemeClr>
+          </a:lnRef>
+          <a:fillRef idx="1">
+            <a:schemeClr val="accent1"/>
+          </a:fillRef>
+          <a:effectRef idx="0">
+            <a:schemeClr val="accent1"/>
+          </a:effectRef>
+          <a:fontRef idx="minor">
+            <a:schemeClr val="lt1"/>
+          </a:fontRef>
+        </p:style>
+        <p:txBody>
+          <a:bodyPr rtlCol="0" anchor="ctr"/>
+          <a:lstStyle/>
+          <a:p>
+            <a:pPr algn="ctr"/>
+            <a:endParaRPr lang="en-US"/>
+          </a:p>
+        </p:txBody>
+      </p:sp>
     </p:spTree>
     <p:extLst>
       <p:ext uri="{BB962C8B-B14F-4D97-AF65-F5344CB8AC3E}">
@@ -7053,7 +7269,7 @@
             <a:fld id="{C389EDC9-19E3-47AC-9C57-C6A24DEA81AD}" type="datetime1">
               <a:rPr lang="zh-TW" altLang="en-US" smtClean="0"/>
               <a:pPr/>
-              <a:t>2022/9/6</a:t>
+              <a:t>2022/9/7</a:t>
             </a:fld>
             <a:endParaRPr lang="zh-TW" altLang="en-US"/>
           </a:p>
@@ -7434,7 +7650,7 @@
             <a:fld id="{A4F910E6-8D00-4BAF-8C48-9688E0B449D3}" type="datetime1">
               <a:rPr lang="zh-TW" altLang="en-US" smtClean="0"/>
               <a:pPr/>
-              <a:t>2022/9/6</a:t>
+              <a:t>2022/9/7</a:t>
             </a:fld>
             <a:endParaRPr lang="zh-TW" altLang="en-US"/>
           </a:p>
@@ -7627,7 +7843,7 @@
             <a:fld id="{C389EDC9-19E3-47AC-9C57-C6A24DEA81AD}" type="datetime1">
               <a:rPr lang="zh-TW" altLang="en-US" smtClean="0"/>
               <a:pPr/>
-              <a:t>2022/9/6</a:t>
+              <a:t>2022/9/7</a:t>
             </a:fld>
             <a:endParaRPr lang="zh-TW" altLang="en-US"/>
           </a:p>
@@ -7812,7 +8028,7 @@
         <p:spPr>
           <a:xfrm>
             <a:off x="467543" y="1268758"/>
-            <a:ext cx="8352929" cy="1008114"/>
+            <a:ext cx="8352929" cy="1296146"/>
           </a:xfrm>
           <a:ln>
             <a:solidFill>
@@ -7885,6 +8101,26 @@
                 <a:cs typeface="+mj-cs"/>
               </a:rPr>
               <a:t>&gt; bin/kafka-topics.sh --create quickstart-events --bootstrap-server localhost:9092</a:t>
+            </a:r>
+          </a:p>
+          <a:p>
+            <a:pPr marL="342900" indent="-342900" algn="l">
+              <a:buClr>
+                <a:srgbClr val="0070C0"/>
+              </a:buClr>
+              <a:buSzPct val="80000"/>
+              <a:buFont typeface="Wingdings" pitchFamily="2" charset="2"/>
+              <a:buChar char="u"/>
+            </a:pPr>
+            <a:r>
+              <a:rPr lang="en-US" altLang="en-US" sz="1800" dirty="0">
+                <a:solidFill>
+                  <a:schemeClr val="tx1"/>
+                </a:solidFill>
+                <a:ea typeface="+mj-ea"/>
+                <a:cs typeface="+mj-cs"/>
+              </a:rPr>
+              <a:t>Kafka port: 9092</a:t>
             </a:r>
             <a:endParaRPr lang="en-US" altLang="en-US" sz="1800" dirty="0">
               <a:solidFill>
@@ -7987,7 +8223,7 @@
             <a:fld id="{A4F910E6-8D00-4BAF-8C48-9688E0B449D3}" type="datetime1">
               <a:rPr lang="zh-TW" altLang="en-US" smtClean="0"/>
               <a:pPr/>
-              <a:t>2022/9/6</a:t>
+              <a:t>2022/9/7</a:t>
             </a:fld>
             <a:endParaRPr lang="zh-TW" altLang="en-US"/>
           </a:p>
@@ -8174,7 +8410,7 @@
             <a:fld id="{C389EDC9-19E3-47AC-9C57-C6A24DEA81AD}" type="datetime1">
               <a:rPr lang="zh-TW" altLang="en-US" smtClean="0"/>
               <a:pPr/>
-              <a:t>2022/9/6</a:t>
+              <a:t>2022/9/7</a:t>
             </a:fld>
             <a:endParaRPr lang="zh-TW" altLang="en-US"/>
           </a:p>
